--- a/Documents/Greendel_presentation_feedbackpr.pptx
+++ b/Documents/Greendel_presentation_feedbackpr.pptx
@@ -3863,7 +3863,7 @@
         </p:spPr>
         <p:txBody>
           <a:bodyPr>
-            <a:normAutofit fontScale="92500"/>
+            <a:normAutofit fontScale="92500" lnSpcReduction="10000"/>
           </a:bodyPr>
           <a:lstStyle/>
           <a:p>
@@ -3878,11 +3878,6 @@
               </a:rPr>
               <a:t>The Business Case</a:t>
             </a:r>
-            <a:endParaRPr lang="en-US" dirty="0" smtClean="0">
-              <a:solidFill>
-                <a:schemeClr val="bg1"/>
-              </a:solidFill>
-            </a:endParaRPr>
           </a:p>
           <a:p>
             <a:r>
@@ -3901,7 +3896,31 @@
                   <a:schemeClr val="bg1"/>
                 </a:solidFill>
               </a:rPr>
-              <a:t>If we assume a constant saving of 300W: </a:t>
+              <a:t>If we assume a constant saving of </a:t>
+            </a:r>
+            <a:r>
+              <a:rPr lang="en-US" dirty="0" smtClean="0">
+                <a:solidFill>
+                  <a:schemeClr val="bg1"/>
+                </a:solidFill>
+              </a:rPr>
+              <a:t>150</a:t>
+            </a:r>
+            <a:r>
+              <a:rPr lang="en-US" dirty="0" smtClean="0">
+                <a:solidFill>
+                  <a:schemeClr val="bg1"/>
+                </a:solidFill>
+              </a:rPr>
+              <a:t>W</a:t>
+            </a:r>
+            <a:r>
+              <a:rPr lang="en-US" dirty="0" smtClean="0">
+                <a:solidFill>
+                  <a:schemeClr val="bg1"/>
+                </a:solidFill>
+              </a:rPr>
+              <a:t>: </a:t>
             </a:r>
             <a:r>
               <a:rPr lang="en-US" dirty="0" smtClean="0">
@@ -3917,7 +3936,47 @@
                   <a:schemeClr val="bg1"/>
                 </a:solidFill>
               </a:rPr>
-              <a:t>26kWh or 114e saved per year</a:t>
+              <a:t>13</a:t>
+            </a:r>
+            <a:r>
+              <a:rPr lang="en-US" dirty="0" smtClean="0">
+                <a:solidFill>
+                  <a:schemeClr val="bg1"/>
+                </a:solidFill>
+              </a:rPr>
+              <a:t>00kWh </a:t>
+            </a:r>
+            <a:r>
+              <a:rPr lang="en-US" dirty="0" smtClean="0">
+                <a:solidFill>
+                  <a:schemeClr val="bg1"/>
+                </a:solidFill>
+              </a:rPr>
+              <a:t>or </a:t>
+            </a:r>
+            <a:r>
+              <a:rPr lang="en-US" dirty="0" smtClean="0">
+                <a:solidFill>
+                  <a:schemeClr val="bg1"/>
+                </a:solidFill>
+              </a:rPr>
+              <a:t>57</a:t>
+            </a:r>
+            <a:r>
+              <a:rPr lang="en-US" dirty="0" smtClean="0">
+                <a:solidFill>
+                  <a:schemeClr val="bg1"/>
+                </a:solidFill>
+              </a:rPr>
+              <a:t>e </a:t>
+            </a:r>
+            <a:r>
+              <a:rPr lang="en-US" dirty="0" smtClean="0">
+                <a:solidFill>
+                  <a:schemeClr val="bg1"/>
+                </a:solidFill>
+              </a:rPr>
+              <a:t>saved per year</a:t>
             </a:r>
           </a:p>
           <a:p>
@@ -3949,15 +4008,7 @@
                   <a:schemeClr val="bg1"/>
                 </a:solidFill>
               </a:rPr>
-              <a:t>California</a:t>
-            </a:r>
-            <a:r>
-              <a:rPr lang="en-US" dirty="0" smtClean="0">
-                <a:solidFill>
-                  <a:schemeClr val="bg1"/>
-                </a:solidFill>
-              </a:rPr>
-              <a:t>: </a:t>
+              <a:t>California: </a:t>
             </a:r>
             <a:r>
               <a:rPr lang="en-US" dirty="0">
@@ -4228,15 +4279,7 @@
                   <a:schemeClr val="bg1"/>
                 </a:solidFill>
               </a:rPr>
-              <a:t>System </a:t>
-            </a:r>
-            <a:r>
-              <a:rPr lang="en-US" dirty="0" smtClean="0">
-                <a:solidFill>
-                  <a:schemeClr val="bg1"/>
-                </a:solidFill>
-              </a:rPr>
-              <a:t>Architecture</a:t>
+              <a:t>System Architecture</a:t>
             </a:r>
           </a:p>
           <a:p>
@@ -4256,11 +4299,6 @@
               </a:rPr>
               <a:t> Case</a:t>
             </a:r>
-            <a:endParaRPr lang="en-US" dirty="0" smtClean="0">
-              <a:solidFill>
-                <a:schemeClr val="bg1"/>
-              </a:solidFill>
-            </a:endParaRPr>
           </a:p>
           <a:p>
             <a:r>
@@ -4337,11 +4375,6 @@
               </a:rPr>
               <a:t>Facts</a:t>
             </a:r>
-            <a:endParaRPr lang="en-US" dirty="0" smtClean="0">
-              <a:solidFill>
-                <a:schemeClr val="bg1"/>
-              </a:solidFill>
-            </a:endParaRPr>
           </a:p>
           <a:p>
             <a:r>
@@ -4372,11 +4405,6 @@
               </a:rPr>
               <a:t>High energy prices will interest people in alternatives</a:t>
             </a:r>
-            <a:endParaRPr lang="en-US" dirty="0" smtClean="0">
-              <a:solidFill>
-                <a:schemeClr val="bg1"/>
-              </a:solidFill>
-            </a:endParaRPr>
           </a:p>
         </p:txBody>
       </p:sp>
@@ -4478,11 +4506,6 @@
               </a:rPr>
               <a:t>helps regulate consumption</a:t>
             </a:r>
-            <a:endParaRPr lang="en-US" u="sng" dirty="0" smtClean="0">
-              <a:solidFill>
-                <a:schemeClr val="bg1"/>
-              </a:solidFill>
-            </a:endParaRPr>
           </a:p>
           <a:p>
             <a:endParaRPr lang="en-US" dirty="0" smtClean="0">
@@ -4579,11 +4602,6 @@
               </a:rPr>
               <a:t> Project</a:t>
             </a:r>
-            <a:endParaRPr lang="en-US" dirty="0" smtClean="0">
-              <a:solidFill>
-                <a:schemeClr val="bg1"/>
-              </a:solidFill>
-            </a:endParaRPr>
           </a:p>
           <a:p>
             <a:r>
